--- a/Project 2 (Group 4)v2.pptx
+++ b/Project 2 (Group 4)v2.pptx
@@ -515,6 +515,174 @@
           <a:bodyPr/>
           <a:lstStyle/>
           <a:p>
+            <a:endParaRPr lang="en-US" dirty="0"/>
+          </a:p>
+        </p:txBody>
+      </p:sp>
+      <p:sp>
+        <p:nvSpPr>
+          <p:cNvPr id="4" name="Slide Number Placeholder 3"/>
+          <p:cNvSpPr>
+            <a:spLocks noGrp="1"/>
+          </p:cNvSpPr>
+          <p:nvPr>
+            <p:ph type="sldNum" sz="quarter" idx="5"/>
+          </p:nvPr>
+        </p:nvSpPr>
+        <p:spPr/>
+        <p:txBody>
+          <a:bodyPr/>
+          <a:lstStyle/>
+          <a:p>
+            <a:fld id="{EBE262E1-A977-415D-8C96-65342194603D}" type="slidenum">
+              <a:rPr lang="en-US" smtClean="0"/>
+              <a:t>3</a:t>
+            </a:fld>
+            <a:endParaRPr lang="en-US"/>
+          </a:p>
+        </p:txBody>
+      </p:sp>
+    </p:spTree>
+    <p:extLst>
+      <p:ext uri="{BB962C8B-B14F-4D97-AF65-F5344CB8AC3E}">
+        <p14:creationId xmlns:p14="http://schemas.microsoft.com/office/powerpoint/2010/main" val="952511283"/>
+      </p:ext>
+    </p:extLst>
+  </p:cSld>
+  <p:clrMapOvr>
+    <a:masterClrMapping/>
+  </p:clrMapOvr>
+</p:notes>
+</file>
+
+<file path=ppt/notesSlides/notesSlide2.xml><?xml version="1.0" encoding="utf-8"?>
+<p:notes xmlns:a="http://schemas.openxmlformats.org/drawingml/2006/main" xmlns:r="http://schemas.openxmlformats.org/officeDocument/2006/relationships" xmlns:p="http://schemas.openxmlformats.org/presentationml/2006/main">
+  <p:cSld>
+    <p:spTree>
+      <p:nvGrpSpPr>
+        <p:cNvPr id="1" name=""/>
+        <p:cNvGrpSpPr/>
+        <p:nvPr/>
+      </p:nvGrpSpPr>
+      <p:grpSpPr>
+        <a:xfrm>
+          <a:off x="0" y="0"/>
+          <a:ext cx="0" cy="0"/>
+          <a:chOff x="0" y="0"/>
+          <a:chExt cx="0" cy="0"/>
+        </a:xfrm>
+      </p:grpSpPr>
+      <p:sp>
+        <p:nvSpPr>
+          <p:cNvPr id="2" name="Slide Image Placeholder 1"/>
+          <p:cNvSpPr>
+            <a:spLocks noGrp="1" noRot="1" noChangeAspect="1"/>
+          </p:cNvSpPr>
+          <p:nvPr>
+            <p:ph type="sldImg"/>
+          </p:nvPr>
+        </p:nvSpPr>
+        <p:spPr/>
+      </p:sp>
+      <p:sp>
+        <p:nvSpPr>
+          <p:cNvPr id="3" name="Notes Placeholder 2"/>
+          <p:cNvSpPr>
+            <a:spLocks noGrp="1"/>
+          </p:cNvSpPr>
+          <p:nvPr>
+            <p:ph type="body" idx="1"/>
+          </p:nvPr>
+        </p:nvSpPr>
+        <p:spPr/>
+        <p:txBody>
+          <a:bodyPr/>
+          <a:lstStyle/>
+          <a:p>
+            <a:endParaRPr lang="en-US" dirty="0"/>
+          </a:p>
+        </p:txBody>
+      </p:sp>
+      <p:sp>
+        <p:nvSpPr>
+          <p:cNvPr id="4" name="Slide Number Placeholder 3"/>
+          <p:cNvSpPr>
+            <a:spLocks noGrp="1"/>
+          </p:cNvSpPr>
+          <p:nvPr>
+            <p:ph type="sldNum" sz="quarter" idx="5"/>
+          </p:nvPr>
+        </p:nvSpPr>
+        <p:spPr/>
+        <p:txBody>
+          <a:bodyPr/>
+          <a:lstStyle/>
+          <a:p>
+            <a:fld id="{EBE262E1-A977-415D-8C96-65342194603D}" type="slidenum">
+              <a:rPr lang="en-US" smtClean="0"/>
+              <a:t>4</a:t>
+            </a:fld>
+            <a:endParaRPr lang="en-US"/>
+          </a:p>
+        </p:txBody>
+      </p:sp>
+    </p:spTree>
+    <p:extLst>
+      <p:ext uri="{BB962C8B-B14F-4D97-AF65-F5344CB8AC3E}">
+        <p14:creationId xmlns:p14="http://schemas.microsoft.com/office/powerpoint/2010/main" val="2286406063"/>
+      </p:ext>
+    </p:extLst>
+  </p:cSld>
+  <p:clrMapOvr>
+    <a:masterClrMapping/>
+  </p:clrMapOvr>
+</p:notes>
+</file>
+
+<file path=ppt/notesSlides/notesSlide3.xml><?xml version="1.0" encoding="utf-8"?>
+<p:notes xmlns:a="http://schemas.openxmlformats.org/drawingml/2006/main" xmlns:r="http://schemas.openxmlformats.org/officeDocument/2006/relationships" xmlns:p="http://schemas.openxmlformats.org/presentationml/2006/main">
+  <p:cSld>
+    <p:spTree>
+      <p:nvGrpSpPr>
+        <p:cNvPr id="1" name=""/>
+        <p:cNvGrpSpPr/>
+        <p:nvPr/>
+      </p:nvGrpSpPr>
+      <p:grpSpPr>
+        <a:xfrm>
+          <a:off x="0" y="0"/>
+          <a:ext cx="0" cy="0"/>
+          <a:chOff x="0" y="0"/>
+          <a:chExt cx="0" cy="0"/>
+        </a:xfrm>
+      </p:grpSpPr>
+      <p:sp>
+        <p:nvSpPr>
+          <p:cNvPr id="2" name="Slide Image Placeholder 1"/>
+          <p:cNvSpPr>
+            <a:spLocks noGrp="1" noRot="1" noChangeAspect="1"/>
+          </p:cNvSpPr>
+          <p:nvPr>
+            <p:ph type="sldImg"/>
+          </p:nvPr>
+        </p:nvSpPr>
+        <p:spPr/>
+      </p:sp>
+      <p:sp>
+        <p:nvSpPr>
+          <p:cNvPr id="3" name="Notes Placeholder 2"/>
+          <p:cNvSpPr>
+            <a:spLocks noGrp="1"/>
+          </p:cNvSpPr>
+          <p:nvPr>
+            <p:ph type="body" idx="1"/>
+          </p:nvPr>
+        </p:nvSpPr>
+        <p:spPr/>
+        <p:txBody>
+          <a:bodyPr/>
+          <a:lstStyle/>
+          <a:p>
             <a:endParaRPr lang="en-US"/>
           </a:p>
         </p:txBody>
@@ -702,7 +870,7 @@
           <a:p>
             <a:fld id="{0DAF61AA-5A98-4049-A93E-477E5505141A}" type="datetimeFigureOut">
               <a:rPr lang="en-US" smtClean="0"/>
-              <a:t>6/24/2022</a:t>
+              <a:t>6/25/2022</a:t>
             </a:fld>
             <a:endParaRPr lang="en-US" dirty="0"/>
           </a:p>
@@ -900,7 +1068,7 @@
           <a:p>
             <a:fld id="{0DAF61AA-5A98-4049-A93E-477E5505141A}" type="datetimeFigureOut">
               <a:rPr lang="en-US" smtClean="0"/>
-              <a:t>6/24/2022</a:t>
+              <a:t>6/25/2022</a:t>
             </a:fld>
             <a:endParaRPr lang="en-US"/>
           </a:p>
@@ -1108,7 +1276,7 @@
           <a:p>
             <a:fld id="{0DAF61AA-5A98-4049-A93E-477E5505141A}" type="datetimeFigureOut">
               <a:rPr lang="en-US" smtClean="0"/>
-              <a:t>6/24/2022</a:t>
+              <a:t>6/25/2022</a:t>
             </a:fld>
             <a:endParaRPr lang="en-US"/>
           </a:p>
@@ -1306,7 +1474,7 @@
           <a:p>
             <a:fld id="{0DAF61AA-5A98-4049-A93E-477E5505141A}" type="datetimeFigureOut">
               <a:rPr lang="en-US" smtClean="0"/>
-              <a:t>6/24/2022</a:t>
+              <a:t>6/25/2022</a:t>
             </a:fld>
             <a:endParaRPr lang="en-US"/>
           </a:p>
@@ -1581,7 +1749,7 @@
           <a:p>
             <a:fld id="{0DAF61AA-5A98-4049-A93E-477E5505141A}" type="datetimeFigureOut">
               <a:rPr lang="en-US" smtClean="0"/>
-              <a:t>6/24/2022</a:t>
+              <a:t>6/25/2022</a:t>
             </a:fld>
             <a:endParaRPr lang="en-US"/>
           </a:p>
@@ -1846,7 +2014,7 @@
           <a:p>
             <a:fld id="{0DAF61AA-5A98-4049-A93E-477E5505141A}" type="datetimeFigureOut">
               <a:rPr lang="en-US" smtClean="0"/>
-              <a:t>6/24/2022</a:t>
+              <a:t>6/25/2022</a:t>
             </a:fld>
             <a:endParaRPr lang="en-US"/>
           </a:p>
@@ -2258,7 +2426,7 @@
           <a:p>
             <a:fld id="{0DAF61AA-5A98-4049-A93E-477E5505141A}" type="datetimeFigureOut">
               <a:rPr lang="en-US" smtClean="0"/>
-              <a:t>6/24/2022</a:t>
+              <a:t>6/25/2022</a:t>
             </a:fld>
             <a:endParaRPr lang="en-US"/>
           </a:p>
@@ -2399,7 +2567,7 @@
           <a:p>
             <a:fld id="{0DAF61AA-5A98-4049-A93E-477E5505141A}" type="datetimeFigureOut">
               <a:rPr lang="en-US" smtClean="0"/>
-              <a:t>6/24/2022</a:t>
+              <a:t>6/25/2022</a:t>
             </a:fld>
             <a:endParaRPr lang="en-US"/>
           </a:p>
@@ -2512,7 +2680,7 @@
           <a:p>
             <a:fld id="{0DAF61AA-5A98-4049-A93E-477E5505141A}" type="datetimeFigureOut">
               <a:rPr lang="en-US" smtClean="0"/>
-              <a:t>6/24/2022</a:t>
+              <a:t>6/25/2022</a:t>
             </a:fld>
             <a:endParaRPr lang="en-US"/>
           </a:p>
@@ -2823,7 +2991,7 @@
           <a:p>
             <a:fld id="{0DAF61AA-5A98-4049-A93E-477E5505141A}" type="datetimeFigureOut">
               <a:rPr lang="en-US" smtClean="0"/>
-              <a:t>6/24/2022</a:t>
+              <a:t>6/25/2022</a:t>
             </a:fld>
             <a:endParaRPr lang="en-US"/>
           </a:p>
@@ -3114,7 +3282,7 @@
           <a:p>
             <a:fld id="{0DAF61AA-5A98-4049-A93E-477E5505141A}" type="datetimeFigureOut">
               <a:rPr lang="en-US" smtClean="0"/>
-              <a:t>6/24/2022</a:t>
+              <a:t>6/25/2022</a:t>
             </a:fld>
             <a:endParaRPr lang="en-US"/>
           </a:p>
@@ -6824,7 +6992,7 @@
             <a:fld id="{0DAF61AA-5A98-4049-A93E-477E5505141A}" type="datetimeFigureOut">
               <a:rPr lang="en-US" smtClean="0"/>
               <a:pPr/>
-              <a:t>6/24/2022</a:t>
+              <a:t>6/25/2022</a:t>
             </a:fld>
             <a:endParaRPr lang="en-US" dirty="0"/>
           </a:p>
@@ -18148,7 +18316,7 @@
                   <a:schemeClr val="bg1"/>
                 </a:solidFill>
               </a:rPr>
-              <a:t>We will be looking at the home building permits of Texas compared to the US from and how we were able to use ETL to create a database to house the data.</a:t>
+              <a:t>We will be looking at the home building permits of Texas compared to the US and how we were able to use ETL to create a database to house the data.</a:t>
             </a:r>
           </a:p>
         </p:txBody>
@@ -18240,7 +18408,7 @@
           <p:nvPr/>
         </p:nvPicPr>
         <p:blipFill>
-          <a:blip r:embed="rId2">
+          <a:blip r:embed="rId3">
             <a:extLst>
               <a:ext uri="{28A0092B-C50C-407E-A947-70E740481C1C}">
                 <a14:useLocalDpi xmlns:a14="http://schemas.microsoft.com/office/drawing/2010/main" val="0"/>
@@ -18319,14 +18487,14 @@
           <p:nvPr/>
         </p:nvPicPr>
         <p:blipFill>
-          <a:blip r:embed="rId3"/>
+          <a:blip r:embed="rId4"/>
           <a:stretch>
             <a:fillRect/>
           </a:stretch>
         </p:blipFill>
         <p:spPr>
           <a:xfrm>
-            <a:off x="984738" y="1890357"/>
+            <a:off x="912994" y="1890357"/>
             <a:ext cx="3823925" cy="3974933"/>
           </a:xfrm>
           <a:prstGeom prst="rect">
@@ -18349,14 +18517,14 @@
           <p:nvPr/>
         </p:nvPicPr>
         <p:blipFill>
-          <a:blip r:embed="rId4"/>
+          <a:blip r:embed="rId5"/>
           <a:stretch>
             <a:fillRect/>
           </a:stretch>
         </p:blipFill>
         <p:spPr>
           <a:xfrm>
-            <a:off x="9129933" y="1886044"/>
+            <a:off x="7751299" y="1886044"/>
             <a:ext cx="1720377" cy="3979246"/>
           </a:xfrm>
           <a:prstGeom prst="rect">
@@ -18364,6 +18532,110 @@
           </a:prstGeom>
         </p:spPr>
       </p:pic>
+      <p:sp>
+        <p:nvSpPr>
+          <p:cNvPr id="3" name="Arrow: Right 2">
+            <a:extLst>
+              <a:ext uri="{FF2B5EF4-FFF2-40B4-BE49-F238E27FC236}">
+                <a16:creationId xmlns:a16="http://schemas.microsoft.com/office/drawing/2014/main" id="{8DEEF0F4-381D-5BCD-4B17-0DF26F3A1D74}"/>
+              </a:ext>
+            </a:extLst>
+          </p:cNvPr>
+          <p:cNvSpPr/>
+          <p:nvPr/>
+        </p:nvSpPr>
+        <p:spPr>
+          <a:xfrm>
+            <a:off x="5205331" y="3108960"/>
+            <a:ext cx="1720377" cy="1325563"/>
+          </a:xfrm>
+          <a:prstGeom prst="rightArrow">
+            <a:avLst/>
+          </a:prstGeom>
+        </p:spPr>
+        <p:style>
+          <a:lnRef idx="2">
+            <a:schemeClr val="accent1">
+              <a:shade val="50000"/>
+            </a:schemeClr>
+          </a:lnRef>
+          <a:fillRef idx="1">
+            <a:schemeClr val="accent1"/>
+          </a:fillRef>
+          <a:effectRef idx="0">
+            <a:schemeClr val="accent1"/>
+          </a:effectRef>
+          <a:fontRef idx="minor">
+            <a:schemeClr val="lt1"/>
+          </a:fontRef>
+        </p:style>
+        <p:txBody>
+          <a:bodyPr rtlCol="0" anchor="ctr"/>
+          <a:lstStyle/>
+          <a:p>
+            <a:pPr algn="ctr"/>
+            <a:endParaRPr lang="en-US" dirty="0"/>
+          </a:p>
+        </p:txBody>
+      </p:sp>
+      <p:sp>
+        <p:nvSpPr>
+          <p:cNvPr id="7" name="TextBox 6">
+            <a:extLst>
+              <a:ext uri="{FF2B5EF4-FFF2-40B4-BE49-F238E27FC236}">
+                <a16:creationId xmlns:a16="http://schemas.microsoft.com/office/drawing/2014/main" id="{646774F6-8FBF-E993-6ECA-E3DF927CCA52}"/>
+              </a:ext>
+            </a:extLst>
+          </p:cNvPr>
+          <p:cNvSpPr txBox="1"/>
+          <p:nvPr/>
+        </p:nvSpPr>
+        <p:spPr>
+          <a:xfrm>
+            <a:off x="569039" y="6123543"/>
+            <a:ext cx="7906042" cy="646331"/>
+          </a:xfrm>
+          <a:prstGeom prst="rect">
+            <a:avLst/>
+          </a:prstGeom>
+          <a:noFill/>
+        </p:spPr>
+        <p:txBody>
+          <a:bodyPr wrap="square" rtlCol="0">
+            <a:spAutoFit/>
+          </a:bodyPr>
+          <a:lstStyle/>
+          <a:p>
+            <a:r>
+              <a:rPr lang="en-US" dirty="0">
+                <a:solidFill>
+                  <a:schemeClr val="bg1"/>
+                </a:solidFill>
+                <a:hlinkClick r:id="rId6">
+                  <a:extLst>
+                    <a:ext uri="{A12FA001-AC4F-418D-AE19-62706E023703}">
+                      <ahyp:hlinkClr xmlns:ahyp="http://schemas.microsoft.com/office/drawing/2018/hyperlinkcolor" val="tx"/>
+                    </a:ext>
+                  </a:extLst>
+                </a:hlinkClick>
+              </a:rPr>
+              <a:t>https://www.recenter.tamu.edu/data/building-permits#!/state/Texas/</a:t>
+            </a:r>
+            <a:endParaRPr lang="en-US" dirty="0">
+              <a:solidFill>
+                <a:schemeClr val="bg1"/>
+              </a:solidFill>
+            </a:endParaRPr>
+          </a:p>
+          <a:p>
+            <a:endParaRPr lang="en-US" dirty="0">
+              <a:solidFill>
+                <a:schemeClr val="bg1"/>
+              </a:solidFill>
+            </a:endParaRPr>
+          </a:p>
+        </p:txBody>
+      </p:sp>
     </p:spTree>
     <p:extLst>
       <p:ext uri="{BB962C8B-B14F-4D97-AF65-F5344CB8AC3E}">
@@ -18409,14 +18681,14 @@
           <p:nvPr/>
         </p:nvPicPr>
         <p:blipFill>
-          <a:blip r:embed="rId2"/>
+          <a:blip r:embed="rId3"/>
           <a:stretch>
             <a:fillRect/>
           </a:stretch>
         </p:blipFill>
         <p:spPr>
           <a:xfrm>
-            <a:off x="0" y="-58872"/>
+            <a:off x="0" y="-72829"/>
             <a:ext cx="12191999" cy="6930829"/>
           </a:xfrm>
           <a:prstGeom prst="rect">
@@ -18452,45 +18724,6 @@
           </a:p>
         </p:txBody>
       </p:sp>
-      <p:sp>
-        <p:nvSpPr>
-          <p:cNvPr id="4" name="TextBox 3">
-            <a:extLst>
-              <a:ext uri="{FF2B5EF4-FFF2-40B4-BE49-F238E27FC236}">
-                <a16:creationId xmlns:a16="http://schemas.microsoft.com/office/drawing/2014/main" id="{09B74697-2B55-1D34-128C-615A79D247E5}"/>
-              </a:ext>
-            </a:extLst>
-          </p:cNvPr>
-          <p:cNvSpPr txBox="1"/>
-          <p:nvPr/>
-        </p:nvSpPr>
-        <p:spPr>
-          <a:xfrm>
-            <a:off x="267287" y="6064960"/>
-            <a:ext cx="7906042" cy="369332"/>
-          </a:xfrm>
-          <a:prstGeom prst="rect">
-            <a:avLst/>
-          </a:prstGeom>
-          <a:noFill/>
-        </p:spPr>
-        <p:txBody>
-          <a:bodyPr wrap="square" rtlCol="0">
-            <a:spAutoFit/>
-          </a:bodyPr>
-          <a:lstStyle/>
-          <a:p>
-            <a:r>
-              <a:rPr lang="en-US" dirty="0">
-                <a:solidFill>
-                  <a:schemeClr val="bg1"/>
-                </a:solidFill>
-              </a:rPr>
-              <a:t>https://www.recenter.tamu.edu/data/building-permits#!/state/Texas</a:t>
-            </a:r>
-          </a:p>
-        </p:txBody>
-      </p:sp>
       <p:pic>
         <p:nvPicPr>
           <p:cNvPr id="11" name="Picture 10">
@@ -18506,14 +18739,14 @@
           <p:nvPr/>
         </p:nvPicPr>
         <p:blipFill>
-          <a:blip r:embed="rId3"/>
+          <a:blip r:embed="rId4"/>
           <a:stretch>
             <a:fillRect/>
           </a:stretch>
         </p:blipFill>
         <p:spPr>
           <a:xfrm>
-            <a:off x="267287" y="1434448"/>
+            <a:off x="1078298" y="1476652"/>
             <a:ext cx="3648584" cy="4439270"/>
           </a:xfrm>
           <a:prstGeom prst="rect">
@@ -18536,14 +18769,14 @@
           <p:nvPr/>
         </p:nvPicPr>
         <p:blipFill>
-          <a:blip r:embed="rId4"/>
+          <a:blip r:embed="rId5"/>
           <a:stretch>
             <a:fillRect/>
           </a:stretch>
         </p:blipFill>
         <p:spPr>
           <a:xfrm>
-            <a:off x="8173329" y="1429303"/>
+            <a:off x="7399605" y="1429303"/>
             <a:ext cx="2020189" cy="4444415"/>
           </a:xfrm>
           <a:prstGeom prst="rect">
@@ -18551,6 +18784,142 @@
           </a:prstGeom>
         </p:spPr>
       </p:pic>
+      <p:sp>
+        <p:nvSpPr>
+          <p:cNvPr id="7" name="Arrow: Right 6">
+            <a:extLst>
+              <a:ext uri="{FF2B5EF4-FFF2-40B4-BE49-F238E27FC236}">
+                <a16:creationId xmlns:a16="http://schemas.microsoft.com/office/drawing/2014/main" id="{86024065-30CB-C05A-58A6-DD26458C9F87}"/>
+              </a:ext>
+            </a:extLst>
+          </p:cNvPr>
+          <p:cNvSpPr/>
+          <p:nvPr/>
+        </p:nvSpPr>
+        <p:spPr>
+          <a:xfrm>
+            <a:off x="5205331" y="3108960"/>
+            <a:ext cx="1720377" cy="1325563"/>
+          </a:xfrm>
+          <a:prstGeom prst="rightArrow">
+            <a:avLst/>
+          </a:prstGeom>
+        </p:spPr>
+        <p:style>
+          <a:lnRef idx="2">
+            <a:schemeClr val="accent1">
+              <a:shade val="50000"/>
+            </a:schemeClr>
+          </a:lnRef>
+          <a:fillRef idx="1">
+            <a:schemeClr val="accent1"/>
+          </a:fillRef>
+          <a:effectRef idx="0">
+            <a:schemeClr val="accent1"/>
+          </a:effectRef>
+          <a:fontRef idx="minor">
+            <a:schemeClr val="lt1"/>
+          </a:fontRef>
+        </p:style>
+        <p:txBody>
+          <a:bodyPr rtlCol="0" anchor="ctr"/>
+          <a:lstStyle/>
+          <a:p>
+            <a:pPr algn="ctr"/>
+            <a:endParaRPr lang="en-US" dirty="0"/>
+          </a:p>
+        </p:txBody>
+      </p:sp>
+      <p:sp>
+        <p:nvSpPr>
+          <p:cNvPr id="8" name="TextBox 7">
+            <a:extLst>
+              <a:ext uri="{FF2B5EF4-FFF2-40B4-BE49-F238E27FC236}">
+                <a16:creationId xmlns:a16="http://schemas.microsoft.com/office/drawing/2014/main" id="{DD9DB4C9-1659-D82C-5CDC-93E53389E772}"/>
+              </a:ext>
+            </a:extLst>
+          </p:cNvPr>
+          <p:cNvSpPr txBox="1"/>
+          <p:nvPr/>
+        </p:nvSpPr>
+        <p:spPr>
+          <a:xfrm>
+            <a:off x="569039" y="6123543"/>
+            <a:ext cx="7906042" cy="774507"/>
+          </a:xfrm>
+          <a:prstGeom prst="rect">
+            <a:avLst/>
+          </a:prstGeom>
+          <a:noFill/>
+        </p:spPr>
+        <p:txBody>
+          <a:bodyPr wrap="square" rtlCol="0">
+            <a:spAutoFit/>
+          </a:bodyPr>
+          <a:lstStyle/>
+          <a:p>
+            <a:pPr marR="0" lvl="0">
+              <a:lnSpc>
+                <a:spcPct val="107000"/>
+              </a:lnSpc>
+              <a:spcBef>
+                <a:spcPts val="0"/>
+              </a:spcBef>
+              <a:spcAft>
+                <a:spcPts val="800"/>
+              </a:spcAft>
+            </a:pPr>
+            <a:r>
+              <a:rPr lang="en-US" u="sng" dirty="0">
+                <a:solidFill>
+                  <a:schemeClr val="bg1"/>
+                </a:solidFill>
+                <a:latin typeface="Calibri" panose="020F0502020204030204" pitchFamily="34" charset="0"/>
+                <a:ea typeface="Calibri" panose="020F0502020204030204" pitchFamily="34" charset="0"/>
+                <a:cs typeface="Times New Roman" panose="02020603050405020304" pitchFamily="18" charset="0"/>
+                <a:hlinkClick r:id="rId6">
+                  <a:extLst>
+                    <a:ext uri="{A12FA001-AC4F-418D-AE19-62706E023703}">
+                      <ahyp:hlinkClr xmlns:ahyp="http://schemas.microsoft.com/office/drawing/2018/hyperlinkcolor" val="tx"/>
+                    </a:ext>
+                  </a:extLst>
+                </a:hlinkClick>
+              </a:rPr>
+              <a:t>https://www.census.gov/construction/bps/permitsbyusreg_cust/</a:t>
+            </a:r>
+            <a:endParaRPr lang="en-US" u="sng" dirty="0">
+              <a:solidFill>
+                <a:schemeClr val="bg1"/>
+              </a:solidFill>
+              <a:latin typeface="Calibri" panose="020F0502020204030204" pitchFamily="34" charset="0"/>
+              <a:ea typeface="Calibri" panose="020F0502020204030204" pitchFamily="34" charset="0"/>
+              <a:cs typeface="Times New Roman" panose="02020603050405020304" pitchFamily="18" charset="0"/>
+            </a:endParaRPr>
+          </a:p>
+          <a:p>
+            <a:pPr marR="0" lvl="0">
+              <a:lnSpc>
+                <a:spcPct val="107000"/>
+              </a:lnSpc>
+              <a:spcBef>
+                <a:spcPts val="0"/>
+              </a:spcBef>
+              <a:spcAft>
+                <a:spcPts val="800"/>
+              </a:spcAft>
+            </a:pPr>
+            <a:endParaRPr lang="en-US" sz="1800" dirty="0">
+              <a:solidFill>
+                <a:schemeClr val="bg1"/>
+              </a:solidFill>
+              <a:effectLst/>
+              <a:latin typeface="Calibri" panose="020F0502020204030204" pitchFamily="34" charset="0"/>
+              <a:ea typeface="Calibri" panose="020F0502020204030204" pitchFamily="34" charset="0"/>
+              <a:cs typeface="Times New Roman" panose="02020603050405020304" pitchFamily="18" charset="0"/>
+            </a:endParaRPr>
+          </a:p>
+        </p:txBody>
+      </p:sp>
     </p:spTree>
     <p:extLst>
       <p:ext uri="{BB962C8B-B14F-4D97-AF65-F5344CB8AC3E}">
@@ -18745,7 +19114,7 @@
             </a:pPr>
             <a:r>
               <a:rPr lang="en-US" sz="2400" dirty="0"/>
-              <a:t>Extracted State-level tables using </a:t>
+              <a:t>Extracted Texas-level tables using </a:t>
             </a:r>
             <a:r>
               <a:rPr lang="en-US" sz="2400" dirty="0" err="1"/>
